--- a/images/theory/src/shepard_network.pptx
+++ b/images/theory/src/shepard_network.pptx
@@ -589,7 +589,7 @@
           <a:p>
             <a:fld id="{539EC3BB-046E-8247-AACB-173426835C3D}" type="datetimeFigureOut">
               <a:rPr lang="en-US" smtClean="0"/>
-              <a:t>9/2/22</a:t>
+              <a:t>12/19/23</a:t>
             </a:fld>
             <a:endParaRPr lang="en-US"/>
           </a:p>
@@ -787,7 +787,7 @@
           <a:p>
             <a:fld id="{539EC3BB-046E-8247-AACB-173426835C3D}" type="datetimeFigureOut">
               <a:rPr lang="en-US" smtClean="0"/>
-              <a:t>9/2/22</a:t>
+              <a:t>12/19/23</a:t>
             </a:fld>
             <a:endParaRPr lang="en-US"/>
           </a:p>
@@ -995,7 +995,7 @@
           <a:p>
             <a:fld id="{539EC3BB-046E-8247-AACB-173426835C3D}" type="datetimeFigureOut">
               <a:rPr lang="en-US" smtClean="0"/>
-              <a:t>9/2/22</a:t>
+              <a:t>12/19/23</a:t>
             </a:fld>
             <a:endParaRPr lang="en-US"/>
           </a:p>
@@ -1193,7 +1193,7 @@
           <a:p>
             <a:fld id="{539EC3BB-046E-8247-AACB-173426835C3D}" type="datetimeFigureOut">
               <a:rPr lang="en-US" smtClean="0"/>
-              <a:t>9/2/22</a:t>
+              <a:t>12/19/23</a:t>
             </a:fld>
             <a:endParaRPr lang="en-US"/>
           </a:p>
@@ -1468,7 +1468,7 @@
           <a:p>
             <a:fld id="{539EC3BB-046E-8247-AACB-173426835C3D}" type="datetimeFigureOut">
               <a:rPr lang="en-US" smtClean="0"/>
-              <a:t>9/2/22</a:t>
+              <a:t>12/19/23</a:t>
             </a:fld>
             <a:endParaRPr lang="en-US"/>
           </a:p>
@@ -1733,7 +1733,7 @@
           <a:p>
             <a:fld id="{539EC3BB-046E-8247-AACB-173426835C3D}" type="datetimeFigureOut">
               <a:rPr lang="en-US" smtClean="0"/>
-              <a:t>9/2/22</a:t>
+              <a:t>12/19/23</a:t>
             </a:fld>
             <a:endParaRPr lang="en-US"/>
           </a:p>
@@ -2145,7 +2145,7 @@
           <a:p>
             <a:fld id="{539EC3BB-046E-8247-AACB-173426835C3D}" type="datetimeFigureOut">
               <a:rPr lang="en-US" smtClean="0"/>
-              <a:t>9/2/22</a:t>
+              <a:t>12/19/23</a:t>
             </a:fld>
             <a:endParaRPr lang="en-US"/>
           </a:p>
@@ -2286,7 +2286,7 @@
           <a:p>
             <a:fld id="{539EC3BB-046E-8247-AACB-173426835C3D}" type="datetimeFigureOut">
               <a:rPr lang="en-US" smtClean="0"/>
-              <a:t>9/2/22</a:t>
+              <a:t>12/19/23</a:t>
             </a:fld>
             <a:endParaRPr lang="en-US"/>
           </a:p>
@@ -2399,7 +2399,7 @@
           <a:p>
             <a:fld id="{539EC3BB-046E-8247-AACB-173426835C3D}" type="datetimeFigureOut">
               <a:rPr lang="en-US" smtClean="0"/>
-              <a:t>9/2/22</a:t>
+              <a:t>12/19/23</a:t>
             </a:fld>
             <a:endParaRPr lang="en-US"/>
           </a:p>
@@ -2710,7 +2710,7 @@
           <a:p>
             <a:fld id="{539EC3BB-046E-8247-AACB-173426835C3D}" type="datetimeFigureOut">
               <a:rPr lang="en-US" smtClean="0"/>
-              <a:t>9/2/22</a:t>
+              <a:t>12/19/23</a:t>
             </a:fld>
             <a:endParaRPr lang="en-US"/>
           </a:p>
@@ -2998,7 +2998,7 @@
           <a:p>
             <a:fld id="{539EC3BB-046E-8247-AACB-173426835C3D}" type="datetimeFigureOut">
               <a:rPr lang="en-US" smtClean="0"/>
-              <a:t>9/2/22</a:t>
+              <a:t>12/19/23</a:t>
             </a:fld>
             <a:endParaRPr lang="en-US"/>
           </a:p>
@@ -3239,7 +3239,7 @@
           <a:p>
             <a:fld id="{539EC3BB-046E-8247-AACB-173426835C3D}" type="datetimeFigureOut">
               <a:rPr lang="en-US" smtClean="0"/>
-              <a:t>9/2/22</a:t>
+              <a:t>12/19/23</a:t>
             </a:fld>
             <a:endParaRPr lang="en-US"/>
           </a:p>
@@ -3773,7 +3773,7 @@
         <p:spPr>
           <a:xfrm>
             <a:off x="2823105" y="2861563"/>
-            <a:ext cx="1058303" cy="369332"/>
+            <a:ext cx="1109599" cy="369332"/>
           </a:xfrm>
           <a:prstGeom prst="rect">
             <a:avLst/>
@@ -3787,7 +3787,10 @@
           <a:lstStyle/>
           <a:p>
             <a:r>
-              <a:rPr lang="en-US" dirty="0"/>
+              <a:rPr lang="en-US" dirty="0">
+                <a:latin typeface="Source Sans Pro" panose="020B0503030403020204" pitchFamily="34" charset="0"/>
+                <a:ea typeface="Source Sans Pro" panose="020B0503030403020204" pitchFamily="34" charset="0"/>
+              </a:rPr>
               <a:t>Similarity</a:t>
             </a:r>
           </a:p>
@@ -3808,7 +3811,7 @@
         <p:spPr>
           <a:xfrm>
             <a:off x="5583890" y="2851843"/>
-            <a:ext cx="1544525" cy="369332"/>
+            <a:ext cx="1595309" cy="369332"/>
           </a:xfrm>
           <a:prstGeom prst="rect">
             <a:avLst/>
@@ -3822,7 +3825,10 @@
           <a:lstStyle/>
           <a:p>
             <a:r>
-              <a:rPr lang="en-US" dirty="0"/>
+              <a:rPr lang="en-US" dirty="0">
+                <a:latin typeface="Source Sans Pro" panose="020B0503030403020204" pitchFamily="34" charset="0"/>
+                <a:ea typeface="Source Sans Pro" panose="020B0503030403020204" pitchFamily="34" charset="0"/>
+              </a:rPr>
               <a:t>Generalization</a:t>
             </a:r>
           </a:p>
@@ -3981,14 +3987,20 @@
           <a:p>
             <a:pPr algn="ctr"/>
             <a:r>
-              <a:rPr lang="en-US" dirty="0"/>
+              <a:rPr lang="en-US" dirty="0">
+                <a:latin typeface="Source Sans Pro" panose="020B0503030403020204" pitchFamily="34" charset="0"/>
+                <a:ea typeface="Source Sans Pro" panose="020B0503030403020204" pitchFamily="34" charset="0"/>
+              </a:rPr>
               <a:t>Pairwise similarity</a:t>
             </a:r>
           </a:p>
           <a:p>
             <a:pPr algn="ctr"/>
             <a:r>
-              <a:rPr lang="en-US" dirty="0"/>
+              <a:rPr lang="en-US" dirty="0">
+                <a:latin typeface="Source Sans Pro" panose="020B0503030403020204" pitchFamily="34" charset="0"/>
+                <a:ea typeface="Source Sans Pro" panose="020B0503030403020204" pitchFamily="34" charset="0"/>
+              </a:rPr>
               <a:t>judgments</a:t>
             </a:r>
           </a:p>
@@ -4024,7 +4036,10 @@
           <a:p>
             <a:pPr algn="ctr"/>
             <a:r>
-              <a:rPr lang="en-US" dirty="0"/>
+              <a:rPr lang="en-US" dirty="0">
+                <a:latin typeface="Source Sans Pro" panose="020B0503030403020204" pitchFamily="34" charset="0"/>
+                <a:ea typeface="Source Sans Pro" panose="020B0503030403020204" pitchFamily="34" charset="0"/>
+              </a:rPr>
               <a:t>Generalization measure</a:t>
             </a:r>
           </a:p>
@@ -4050,8 +4065,8 @@
             <a:chExt cx="1533600" cy="2263070"/>
           </a:xfrm>
         </p:grpSpPr>
-        <mc:AlternateContent xmlns:mc="http://schemas.openxmlformats.org/markup-compatibility/2006">
-          <mc:Choice xmlns:p14="http://schemas.microsoft.com/office/powerpoint/2010/main" Requires="p14">
+        <mc:AlternateContent xmlns:mc="http://schemas.openxmlformats.org/markup-compatibility/2006" xmlns:p14="http://schemas.microsoft.com/office/powerpoint/2010/main">
+          <mc:Choice Requires="p14">
             <p:contentPart p14:bwMode="auto" r:id="rId10">
               <p14:nvContentPartPr>
                 <p14:cNvPr id="3" name="Ink 2">
@@ -4070,7 +4085,7 @@
               </p14:xfrm>
             </p:contentPart>
           </mc:Choice>
-          <mc:Fallback>
+          <mc:Fallback xmlns="">
             <p:pic>
               <p:nvPicPr>
                 <p:cNvPr id="3" name="Ink 2">
@@ -4101,8 +4116,8 @@
             </p:pic>
           </mc:Fallback>
         </mc:AlternateContent>
-        <mc:AlternateContent xmlns:mc="http://schemas.openxmlformats.org/markup-compatibility/2006">
-          <mc:Choice xmlns:p14="http://schemas.microsoft.com/office/powerpoint/2010/main" Requires="p14">
+        <mc:AlternateContent xmlns:mc="http://schemas.openxmlformats.org/markup-compatibility/2006" xmlns:p14="http://schemas.microsoft.com/office/powerpoint/2010/main">
+          <mc:Choice Requires="p14">
             <p:contentPart p14:bwMode="auto" r:id="rId12">
               <p14:nvContentPartPr>
                 <p14:cNvPr id="4" name="Ink 3">
@@ -4121,7 +4136,7 @@
               </p14:xfrm>
             </p:contentPart>
           </mc:Choice>
-          <mc:Fallback>
+          <mc:Fallback xmlns="">
             <p:pic>
               <p:nvPicPr>
                 <p:cNvPr id="4" name="Ink 3">
@@ -4152,8 +4167,8 @@
             </p:pic>
           </mc:Fallback>
         </mc:AlternateContent>
-        <mc:AlternateContent xmlns:mc="http://schemas.openxmlformats.org/markup-compatibility/2006">
-          <mc:Choice xmlns:p14="http://schemas.microsoft.com/office/powerpoint/2010/main" Requires="p14">
+        <mc:AlternateContent xmlns:mc="http://schemas.openxmlformats.org/markup-compatibility/2006" xmlns:p14="http://schemas.microsoft.com/office/powerpoint/2010/main">
+          <mc:Choice Requires="p14">
             <p:contentPart p14:bwMode="auto" r:id="rId14">
               <p14:nvContentPartPr>
                 <p14:cNvPr id="24" name="Ink 23">
@@ -4172,7 +4187,7 @@
               </p14:xfrm>
             </p:contentPart>
           </mc:Choice>
-          <mc:Fallback>
+          <mc:Fallback xmlns="">
             <p:pic>
               <p:nvPicPr>
                 <p:cNvPr id="24" name="Ink 23">
@@ -4204,8 +4219,8 @@
           </mc:Fallback>
         </mc:AlternateContent>
       </p:grpSp>
-      <mc:AlternateContent xmlns:mc="http://schemas.openxmlformats.org/markup-compatibility/2006">
-        <mc:Choice xmlns:p14="http://schemas.microsoft.com/office/powerpoint/2010/main" Requires="p14">
+      <mc:AlternateContent xmlns:mc="http://schemas.openxmlformats.org/markup-compatibility/2006" xmlns:p14="http://schemas.microsoft.com/office/powerpoint/2010/main">
+        <mc:Choice Requires="p14">
           <p:contentPart p14:bwMode="auto" r:id="rId16">
             <p14:nvContentPartPr>
               <p14:cNvPr id="28" name="Ink 27">
@@ -4224,7 +4239,7 @@
             </p14:xfrm>
           </p:contentPart>
         </mc:Choice>
-        <mc:Fallback>
+        <mc:Fallback xmlns="">
           <p:pic>
             <p:nvPicPr>
               <p:cNvPr id="28" name="Ink 27">
@@ -4275,8 +4290,8 @@
             <a:chExt cx="278280" cy="1185840"/>
           </a:xfrm>
         </p:grpSpPr>
-        <mc:AlternateContent xmlns:mc="http://schemas.openxmlformats.org/markup-compatibility/2006">
-          <mc:Choice xmlns:p14="http://schemas.microsoft.com/office/powerpoint/2010/main" Requires="p14">
+        <mc:AlternateContent xmlns:mc="http://schemas.openxmlformats.org/markup-compatibility/2006" xmlns:p14="http://schemas.microsoft.com/office/powerpoint/2010/main">
+          <mc:Choice Requires="p14">
             <p:contentPart p14:bwMode="auto" r:id="rId18">
               <p14:nvContentPartPr>
                 <p14:cNvPr id="30" name="Ink 29">
@@ -4295,7 +4310,7 @@
               </p14:xfrm>
             </p:contentPart>
           </mc:Choice>
-          <mc:Fallback>
+          <mc:Fallback xmlns="">
             <p:pic>
               <p:nvPicPr>
                 <p:cNvPr id="30" name="Ink 29">
@@ -4326,8 +4341,8 @@
             </p:pic>
           </mc:Fallback>
         </mc:AlternateContent>
-        <mc:AlternateContent xmlns:mc="http://schemas.openxmlformats.org/markup-compatibility/2006">
-          <mc:Choice xmlns:p14="http://schemas.microsoft.com/office/powerpoint/2010/main" Requires="p14">
+        <mc:AlternateContent xmlns:mc="http://schemas.openxmlformats.org/markup-compatibility/2006" xmlns:p14="http://schemas.microsoft.com/office/powerpoint/2010/main">
+          <mc:Choice Requires="p14">
             <p:contentPart p14:bwMode="auto" r:id="rId20">
               <p14:nvContentPartPr>
                 <p14:cNvPr id="31" name="Ink 30">
@@ -4346,7 +4361,7 @@
               </p14:xfrm>
             </p:contentPart>
           </mc:Choice>
-          <mc:Fallback>
+          <mc:Fallback xmlns="">
             <p:pic>
               <p:nvPicPr>
                 <p:cNvPr id="31" name="Ink 30">
@@ -4378,8 +4393,8 @@
           </mc:Fallback>
         </mc:AlternateContent>
       </p:grpSp>
-      <mc:AlternateContent xmlns:mc="http://schemas.openxmlformats.org/markup-compatibility/2006">
-        <mc:Choice xmlns:p14="http://schemas.microsoft.com/office/powerpoint/2010/main" Requires="p14">
+      <mc:AlternateContent xmlns:mc="http://schemas.openxmlformats.org/markup-compatibility/2006" xmlns:p14="http://schemas.microsoft.com/office/powerpoint/2010/main">
+        <mc:Choice Requires="p14">
           <p:contentPart p14:bwMode="auto" r:id="rId22">
             <p14:nvContentPartPr>
               <p14:cNvPr id="33" name="Ink 32">
@@ -4398,7 +4413,7 @@
             </p14:xfrm>
           </p:contentPart>
         </mc:Choice>
-        <mc:Fallback>
+        <mc:Fallback xmlns="">
           <p:pic>
             <p:nvPicPr>
               <p:cNvPr id="33" name="Ink 32">
@@ -4429,8 +4444,8 @@
           </p:pic>
         </mc:Fallback>
       </mc:AlternateContent>
-      <mc:AlternateContent xmlns:mc="http://schemas.openxmlformats.org/markup-compatibility/2006">
-        <mc:Choice xmlns:p14="http://schemas.microsoft.com/office/powerpoint/2010/main" Requires="p14">
+      <mc:AlternateContent xmlns:mc="http://schemas.openxmlformats.org/markup-compatibility/2006" xmlns:p14="http://schemas.microsoft.com/office/powerpoint/2010/main">
+        <mc:Choice Requires="p14">
           <p:contentPart p14:bwMode="auto" r:id="rId24">
             <p14:nvContentPartPr>
               <p14:cNvPr id="37" name="Ink 36">
@@ -4449,7 +4464,7 @@
             </p14:xfrm>
           </p:contentPart>
         </mc:Choice>
-        <mc:Fallback>
+        <mc:Fallback xmlns="">
           <p:pic>
             <p:nvPicPr>
               <p:cNvPr id="37" name="Ink 36">
